--- a/TVCHH/TVCHH 080 - Cung Kính Tôn Vinh.pptx
+++ b/TVCHH/TVCHH 080 - Cung Kính Tôn Vinh.pptx
@@ -250,7 +250,7 @@
           <a:p>
             <a:fld id="{492B50D4-599F-4C88-B581-BA39A5B6BEE4}" type="datetimeFigureOut">
               <a:rPr lang="en-US" smtClean="0"/>
-              <a:t>7/28/19</a:t>
+              <a:t>9/15/19</a:t>
             </a:fld>
             <a:endParaRPr lang="en-US"/>
           </a:p>
@@ -706,7 +706,7 @@
               <a:pPr>
                 <a:defRPr/>
               </a:pPr>
-              <a:t>7/28/19</a:t>
+              <a:t>9/15/19</a:t>
             </a:fld>
             <a:endParaRPr lang="en-US"/>
           </a:p>
@@ -896,7 +896,7 @@
               <a:pPr>
                 <a:defRPr/>
               </a:pPr>
-              <a:t>7/28/19</a:t>
+              <a:t>9/15/19</a:t>
             </a:fld>
             <a:endParaRPr lang="en-US"/>
           </a:p>
@@ -1096,7 +1096,7 @@
               <a:pPr>
                 <a:defRPr/>
               </a:pPr>
-              <a:t>7/28/19</a:t>
+              <a:t>9/15/19</a:t>
             </a:fld>
             <a:endParaRPr lang="en-US"/>
           </a:p>
@@ -1286,7 +1286,7 @@
               <a:pPr>
                 <a:defRPr/>
               </a:pPr>
-              <a:t>7/28/19</a:t>
+              <a:t>9/15/19</a:t>
             </a:fld>
             <a:endParaRPr lang="en-US"/>
           </a:p>
@@ -1553,7 +1553,7 @@
               <a:pPr>
                 <a:defRPr/>
               </a:pPr>
-              <a:t>7/28/19</a:t>
+              <a:t>9/15/19</a:t>
             </a:fld>
             <a:endParaRPr lang="en-US"/>
           </a:p>
@@ -1860,7 +1860,7 @@
               <a:pPr>
                 <a:defRPr/>
               </a:pPr>
-              <a:t>7/28/19</a:t>
+              <a:t>9/15/19</a:t>
             </a:fld>
             <a:endParaRPr lang="en-US"/>
           </a:p>
@@ -2301,7 +2301,7 @@
               <a:pPr>
                 <a:defRPr/>
               </a:pPr>
-              <a:t>7/28/19</a:t>
+              <a:t>9/15/19</a:t>
             </a:fld>
             <a:endParaRPr lang="en-US"/>
           </a:p>
@@ -2440,7 +2440,7 @@
               <a:pPr>
                 <a:defRPr/>
               </a:pPr>
-              <a:t>7/28/19</a:t>
+              <a:t>9/15/19</a:t>
             </a:fld>
             <a:endParaRPr lang="en-US"/>
           </a:p>
@@ -2557,7 +2557,7 @@
               <a:pPr>
                 <a:defRPr/>
               </a:pPr>
-              <a:t>7/28/19</a:t>
+              <a:t>9/15/19</a:t>
             </a:fld>
             <a:endParaRPr lang="en-US"/>
           </a:p>
@@ -2854,7 +2854,7 @@
               <a:pPr>
                 <a:defRPr/>
               </a:pPr>
-              <a:t>7/28/19</a:t>
+              <a:t>9/15/19</a:t>
             </a:fld>
             <a:endParaRPr lang="en-US"/>
           </a:p>
@@ -3131,7 +3131,7 @@
               <a:pPr>
                 <a:defRPr/>
               </a:pPr>
-              <a:t>7/28/19</a:t>
+              <a:t>9/15/19</a:t>
             </a:fld>
             <a:endParaRPr lang="en-US"/>
           </a:p>
@@ -3387,7 +3387,7 @@
               <a:pPr>
                 <a:defRPr/>
               </a:pPr>
-              <a:t>7/28/19</a:t>
+              <a:t>9/15/19</a:t>
             </a:fld>
             <a:endParaRPr lang="en-US"/>
           </a:p>
@@ -3963,7 +3963,7 @@
         </p:blipFill>
         <p:spPr bwMode="auto">
           <a:xfrm>
-            <a:off x="1752600" y="1612936"/>
+            <a:off x="980523" y="1575206"/>
             <a:ext cx="1785936" cy="2198076"/>
           </a:xfrm>
           <a:prstGeom prst="rect">
@@ -4006,8 +4006,8 @@
         </p:nvSpPr>
         <p:spPr>
           <a:xfrm>
-            <a:off x="-1371600" y="1982212"/>
-            <a:ext cx="8961107" cy="3046988"/>
+            <a:off x="-66205" y="2209800"/>
+            <a:ext cx="7305205" cy="2246769"/>
           </a:xfrm>
           <a:prstGeom prst="rect">
             <a:avLst/>
@@ -4030,7 +4030,7 @@
               <a:defRPr/>
             </a:pPr>
             <a:r>
-              <a:rPr lang="en-US" sz="9600" b="1" dirty="0">
+              <a:rPr lang="en-US" sz="7000" b="1" dirty="0">
                 <a:ln w="17780" cmpd="sng">
                   <a:solidFill>
                     <a:schemeClr val="accent1">
@@ -4050,13 +4050,13 @@
                     </a:srgbClr>
                   </a:outerShdw>
                 </a:effectLst>
-                <a:latin typeface="VNI-Dom" pitchFamily="2" charset="0"/>
+                <a:latin typeface="VNI-Times Normal" pitchFamily="2" charset="0"/>
                 <a:cs typeface="+mn-cs"/>
               </a:rPr>
               <a:t>           UNG KÍNH</a:t>
             </a:r>
             <a:br>
-              <a:rPr lang="en-US" sz="9600" b="1" dirty="0">
+              <a:rPr lang="en-US" sz="7000" b="1" dirty="0">
                 <a:ln w="17780" cmpd="sng">
                   <a:solidFill>
                     <a:schemeClr val="accent1">
@@ -4076,12 +4076,12 @@
                     </a:srgbClr>
                   </a:outerShdw>
                 </a:effectLst>
-                <a:latin typeface="VNI-Dom" pitchFamily="2" charset="0"/>
+                <a:latin typeface="VNI-Times Normal" pitchFamily="2" charset="0"/>
                 <a:cs typeface="+mn-cs"/>
               </a:rPr>
             </a:br>
             <a:r>
-              <a:rPr lang="en-US" sz="9600" b="1" dirty="0">
+              <a:rPr lang="en-US" sz="7000" b="1" dirty="0">
                 <a:ln w="17780" cmpd="sng">
                   <a:solidFill>
                     <a:schemeClr val="accent1">
@@ -4101,7 +4101,7 @@
                     </a:srgbClr>
                   </a:outerShdw>
                 </a:effectLst>
-                <a:latin typeface="VNI-Dom" pitchFamily="2" charset="0"/>
+                <a:latin typeface="VNI-Times Normal" pitchFamily="2" charset="0"/>
                 <a:cs typeface="+mn-cs"/>
               </a:rPr>
               <a:t> TOÂN VINH</a:t>
